--- a/docs/Presentacion Trabajo Final.pptx
+++ b/docs/Presentacion Trabajo Final.pptx
@@ -4183,6 +4183,536 @@
           </a:p>
         </p:txBody>
       </p:sp>
+      <p:sp>
+        <p:nvSpPr>
+          <p:cNvPr id="73" name="TextBox 72">
+            <a:extLst>
+              <a:ext uri="{FF2B5EF4-FFF2-40B4-BE49-F238E27FC236}">
+                <a16:creationId xmlns:a16="http://schemas.microsoft.com/office/drawing/2014/main" id="{98F6CDD8-EF3C-62B4-5425-0EA0F81D1FDD}"/>
+              </a:ext>
+            </a:extLst>
+          </p:cNvPr>
+          <p:cNvSpPr txBox="1"/>
+          <p:nvPr/>
+        </p:nvSpPr>
+        <p:spPr>
+          <a:xfrm>
+            <a:off x="482951" y="4665740"/>
+            <a:ext cx="2959152" cy="697627"/>
+          </a:xfrm>
+          <a:prstGeom prst="rect">
+            <a:avLst/>
+          </a:prstGeom>
+          <a:noFill/>
+        </p:spPr>
+        <p:txBody>
+          <a:bodyPr wrap="square">
+            <a:spAutoFit/>
+          </a:bodyPr>
+          <a:lstStyle/>
+          <a:p>
+            <a:pPr algn="l"/>
+            <a:r>
+              <a:rPr lang="en-US" sz="1200" b="0" i="0" dirty="0">
+                <a:solidFill>
+                  <a:srgbClr val="F0F8FF"/>
+                </a:solidFill>
+                <a:effectLst/>
+                <a:latin typeface="Inter"/>
+              </a:rPr>
+              <a:t>• Registro </a:t>
+            </a:r>
+            <a:r>
+              <a:rPr lang="en-US" sz="1200" b="0" i="0" dirty="0" err="1">
+                <a:solidFill>
+                  <a:srgbClr val="F0F8FF"/>
+                </a:solidFill>
+                <a:effectLst/>
+                <a:latin typeface="Inter"/>
+              </a:rPr>
+              <a:t>válido</a:t>
+            </a:r>
+            <a:r>
+              <a:rPr lang="en-US" sz="1200" b="0" i="0" dirty="0">
+                <a:solidFill>
+                  <a:srgbClr val="F0F8FF"/>
+                </a:solidFill>
+                <a:effectLst/>
+                <a:latin typeface="Inter"/>
+              </a:rPr>
+              <a:t> / </a:t>
+            </a:r>
+            <a:r>
+              <a:rPr lang="en-US" sz="1200" b="0" i="0" dirty="0" err="1">
+                <a:solidFill>
+                  <a:srgbClr val="F0F8FF"/>
+                </a:solidFill>
+                <a:effectLst/>
+                <a:latin typeface="Inter"/>
+              </a:rPr>
+              <a:t>duplicado</a:t>
+            </a:r>
+            <a:endParaRPr lang="en-US" sz="1200" b="0" i="0" dirty="0">
+              <a:solidFill>
+                <a:srgbClr val="F0F8FF"/>
+              </a:solidFill>
+              <a:effectLst/>
+              <a:latin typeface="Inter"/>
+            </a:endParaRPr>
+          </a:p>
+          <a:p>
+            <a:pPr algn="l">
+              <a:spcBef>
+                <a:spcPts val="150"/>
+              </a:spcBef>
+            </a:pPr>
+            <a:r>
+              <a:rPr lang="en-US" sz="1200" b="0" i="0" dirty="0">
+                <a:solidFill>
+                  <a:srgbClr val="F0F8FF"/>
+                </a:solidFill>
+                <a:effectLst/>
+                <a:latin typeface="Inter"/>
+              </a:rPr>
+              <a:t>• Login </a:t>
+            </a:r>
+            <a:r>
+              <a:rPr lang="en-US" sz="1200" b="0" i="0" dirty="0" err="1">
+                <a:solidFill>
+                  <a:srgbClr val="F0F8FF"/>
+                </a:solidFill>
+                <a:effectLst/>
+                <a:latin typeface="Inter"/>
+              </a:rPr>
+              <a:t>correcto</a:t>
+            </a:r>
+            <a:r>
+              <a:rPr lang="en-US" sz="1200" b="0" i="0" dirty="0">
+                <a:solidFill>
+                  <a:srgbClr val="F0F8FF"/>
+                </a:solidFill>
+                <a:effectLst/>
+                <a:latin typeface="Inter"/>
+              </a:rPr>
+              <a:t> / </a:t>
+            </a:r>
+            <a:r>
+              <a:rPr lang="en-US" sz="1200" b="0" i="0" dirty="0" err="1">
+                <a:solidFill>
+                  <a:srgbClr val="F0F8FF"/>
+                </a:solidFill>
+                <a:effectLst/>
+                <a:latin typeface="Inter"/>
+              </a:rPr>
+              <a:t>incorrecto</a:t>
+            </a:r>
+            <a:endParaRPr lang="en-US" sz="1200" b="0" i="0" dirty="0">
+              <a:solidFill>
+                <a:srgbClr val="F0F8FF"/>
+              </a:solidFill>
+              <a:effectLst/>
+              <a:latin typeface="Inter"/>
+            </a:endParaRPr>
+          </a:p>
+          <a:p>
+            <a:pPr algn="l">
+              <a:spcBef>
+                <a:spcPts val="150"/>
+              </a:spcBef>
+            </a:pPr>
+            <a:r>
+              <a:rPr lang="en-US" sz="1200" b="0" i="0" dirty="0">
+                <a:solidFill>
+                  <a:srgbClr val="F0F8FF"/>
+                </a:solidFill>
+                <a:effectLst/>
+                <a:latin typeface="Inter"/>
+              </a:rPr>
+              <a:t>• Logout de </a:t>
+            </a:r>
+            <a:r>
+              <a:rPr lang="en-US" sz="1200" b="0" i="0" dirty="0" err="1">
+                <a:solidFill>
+                  <a:srgbClr val="F0F8FF"/>
+                </a:solidFill>
+                <a:effectLst/>
+                <a:latin typeface="Inter"/>
+              </a:rPr>
+              <a:t>sesión</a:t>
+            </a:r>
+            <a:endParaRPr lang="en-US" sz="1200" b="0" i="0" dirty="0">
+              <a:solidFill>
+                <a:srgbClr val="F0F8FF"/>
+              </a:solidFill>
+              <a:effectLst/>
+              <a:latin typeface="Inter"/>
+            </a:endParaRPr>
+          </a:p>
+        </p:txBody>
+      </p:sp>
+      <p:sp>
+        <p:nvSpPr>
+          <p:cNvPr id="75" name="TextBox 74">
+            <a:extLst>
+              <a:ext uri="{FF2B5EF4-FFF2-40B4-BE49-F238E27FC236}">
+                <a16:creationId xmlns:a16="http://schemas.microsoft.com/office/drawing/2014/main" id="{3D15D35E-1CEE-35B7-11C6-EB92C97ADADC}"/>
+              </a:ext>
+            </a:extLst>
+          </p:cNvPr>
+          <p:cNvSpPr txBox="1"/>
+          <p:nvPr/>
+        </p:nvSpPr>
+        <p:spPr>
+          <a:xfrm>
+            <a:off x="4336281" y="4646920"/>
+            <a:ext cx="3014867" cy="697627"/>
+          </a:xfrm>
+          <a:prstGeom prst="rect">
+            <a:avLst/>
+          </a:prstGeom>
+          <a:noFill/>
+        </p:spPr>
+        <p:txBody>
+          <a:bodyPr wrap="square">
+            <a:spAutoFit/>
+          </a:bodyPr>
+          <a:lstStyle/>
+          <a:p>
+            <a:pPr algn="l">
+              <a:buFont typeface="Arial" panose="020B0604020202020204" pitchFamily="34" charset="0"/>
+              <a:buChar char="•"/>
+            </a:pPr>
+            <a:r>
+              <a:rPr lang="es-ES" sz="1200" b="0" i="0" dirty="0">
+                <a:solidFill>
+                  <a:srgbClr val="F0F8FF"/>
+                </a:solidFill>
+                <a:effectLst/>
+                <a:latin typeface="Inter"/>
+              </a:rPr>
+              <a:t> Filtro por `</a:t>
+            </a:r>
+            <a:r>
+              <a:rPr lang="es-ES" sz="1200" b="0" i="0" dirty="0" err="1">
+                <a:solidFill>
+                  <a:srgbClr val="F0F8FF"/>
+                </a:solidFill>
+                <a:effectLst/>
+                <a:latin typeface="Inter"/>
+              </a:rPr>
+              <a:t>age_rating</a:t>
+            </a:r>
+            <a:r>
+              <a:rPr lang="es-ES" sz="1200" b="0" i="0" dirty="0">
+                <a:solidFill>
+                  <a:srgbClr val="F0F8FF"/>
+                </a:solidFill>
+                <a:effectLst/>
+                <a:latin typeface="Inter"/>
+              </a:rPr>
+              <a:t>`</a:t>
+            </a:r>
+          </a:p>
+          <a:p>
+            <a:pPr algn="l">
+              <a:spcBef>
+                <a:spcPts val="150"/>
+              </a:spcBef>
+              <a:buFont typeface="Arial" panose="020B0604020202020204" pitchFamily="34" charset="0"/>
+              <a:buChar char="•"/>
+            </a:pPr>
+            <a:r>
+              <a:rPr lang="es-ES" sz="1200" b="0" i="0" dirty="0">
+                <a:solidFill>
+                  <a:srgbClr val="F0F8FF"/>
+                </a:solidFill>
+                <a:effectLst/>
+                <a:latin typeface="Inter"/>
+              </a:rPr>
+              <a:t> Detalle de </a:t>
+            </a:r>
+            <a:r>
+              <a:rPr lang="es-ES" sz="1200" b="0" i="0" dirty="0" err="1">
+                <a:solidFill>
+                  <a:srgbClr val="F0F8FF"/>
+                </a:solidFill>
+                <a:effectLst/>
+                <a:latin typeface="Inter"/>
+              </a:rPr>
+              <a:t>item</a:t>
+            </a:r>
+            <a:r>
+              <a:rPr lang="es-ES" sz="1200" b="0" i="0" dirty="0">
+                <a:solidFill>
+                  <a:srgbClr val="F0F8FF"/>
+                </a:solidFill>
+                <a:effectLst/>
+                <a:latin typeface="Inter"/>
+              </a:rPr>
+              <a:t> / 404</a:t>
+            </a:r>
+          </a:p>
+          <a:p>
+            <a:pPr algn="l">
+              <a:spcBef>
+                <a:spcPts val="150"/>
+              </a:spcBef>
+              <a:buFont typeface="Arial" panose="020B0604020202020204" pitchFamily="34" charset="0"/>
+              <a:buChar char="•"/>
+            </a:pPr>
+            <a:r>
+              <a:rPr lang="es-ES" sz="1200" b="0" i="0" dirty="0">
+                <a:solidFill>
+                  <a:srgbClr val="F0F8FF"/>
+                </a:solidFill>
+                <a:effectLst/>
+                <a:latin typeface="Inter"/>
+              </a:rPr>
+              <a:t> Permisos según plan de usuario</a:t>
+            </a:r>
+          </a:p>
+        </p:txBody>
+      </p:sp>
+      <p:sp>
+        <p:nvSpPr>
+          <p:cNvPr id="77" name="TextBox 76">
+            <a:extLst>
+              <a:ext uri="{FF2B5EF4-FFF2-40B4-BE49-F238E27FC236}">
+                <a16:creationId xmlns:a16="http://schemas.microsoft.com/office/drawing/2014/main" id="{28B7F6FF-6473-E56C-B25A-709FFE01F064}"/>
+              </a:ext>
+            </a:extLst>
+          </p:cNvPr>
+          <p:cNvSpPr txBox="1"/>
+          <p:nvPr/>
+        </p:nvSpPr>
+        <p:spPr>
+          <a:xfrm>
+            <a:off x="8123911" y="4616450"/>
+            <a:ext cx="2574298" cy="697627"/>
+          </a:xfrm>
+          <a:prstGeom prst="rect">
+            <a:avLst/>
+          </a:prstGeom>
+          <a:noFill/>
+        </p:spPr>
+        <p:txBody>
+          <a:bodyPr wrap="square">
+            <a:spAutoFit/>
+          </a:bodyPr>
+          <a:lstStyle/>
+          <a:p>
+            <a:pPr algn="l">
+              <a:buFont typeface="Arial" panose="020B0604020202020204" pitchFamily="34" charset="0"/>
+              <a:buChar char="•"/>
+            </a:pPr>
+            <a:r>
+              <a:rPr lang="en-US" sz="1200" b="0" i="0" dirty="0">
+                <a:solidFill>
+                  <a:srgbClr val="F0F8FF"/>
+                </a:solidFill>
+                <a:effectLst/>
+                <a:latin typeface="Inter"/>
+              </a:rPr>
+              <a:t> </a:t>
+            </a:r>
+            <a:r>
+              <a:rPr lang="en-US" sz="1200" b="0" i="0" dirty="0" err="1">
+                <a:solidFill>
+                  <a:srgbClr val="F0F8FF"/>
+                </a:solidFill>
+                <a:effectLst/>
+                <a:latin typeface="Inter"/>
+              </a:rPr>
+              <a:t>Agregar</a:t>
+            </a:r>
+            <a:r>
+              <a:rPr lang="en-US" sz="1200" b="0" i="0" dirty="0">
+                <a:solidFill>
+                  <a:srgbClr val="F0F8FF"/>
+                </a:solidFill>
+                <a:effectLst/>
+                <a:latin typeface="Inter"/>
+              </a:rPr>
+              <a:t>/</a:t>
+            </a:r>
+            <a:r>
+              <a:rPr lang="en-US" sz="1200" b="0" i="0" dirty="0" err="1">
+                <a:solidFill>
+                  <a:srgbClr val="F0F8FF"/>
+                </a:solidFill>
+                <a:effectLst/>
+                <a:latin typeface="Inter"/>
+              </a:rPr>
+              <a:t>listar</a:t>
+            </a:r>
+            <a:r>
+              <a:rPr lang="en-US" sz="1200" b="0" i="0" dirty="0">
+                <a:solidFill>
+                  <a:srgbClr val="F0F8FF"/>
+                </a:solidFill>
+                <a:effectLst/>
+                <a:latin typeface="Inter"/>
+              </a:rPr>
+              <a:t> </a:t>
+            </a:r>
+            <a:r>
+              <a:rPr lang="en-US" sz="1200" b="0" i="0" dirty="0" err="1">
+                <a:solidFill>
+                  <a:srgbClr val="F0F8FF"/>
+                </a:solidFill>
+                <a:effectLst/>
+                <a:latin typeface="Inter"/>
+              </a:rPr>
+              <a:t>favoritos</a:t>
+            </a:r>
+            <a:r>
+              <a:rPr lang="en-US" sz="1200" b="0" i="0" dirty="0">
+                <a:solidFill>
+                  <a:srgbClr val="F0F8FF"/>
+                </a:solidFill>
+                <a:effectLst/>
+                <a:latin typeface="Inter"/>
+              </a:rPr>
+              <a:t> (UNIQUE)</a:t>
+            </a:r>
+          </a:p>
+          <a:p>
+            <a:pPr algn="l">
+              <a:spcBef>
+                <a:spcPts val="150"/>
+              </a:spcBef>
+              <a:buFont typeface="Arial" panose="020B0604020202020204" pitchFamily="34" charset="0"/>
+              <a:buChar char="•"/>
+            </a:pPr>
+            <a:r>
+              <a:rPr lang="en-US" sz="1200" b="0" i="0" dirty="0">
+                <a:solidFill>
+                  <a:srgbClr val="F0F8FF"/>
+                </a:solidFill>
+                <a:effectLst/>
+                <a:latin typeface="Inter"/>
+              </a:rPr>
+              <a:t> Registrar/</a:t>
+            </a:r>
+            <a:r>
+              <a:rPr lang="en-US" sz="1200" b="0" i="0" dirty="0" err="1">
+                <a:solidFill>
+                  <a:srgbClr val="F0F8FF"/>
+                </a:solidFill>
+                <a:effectLst/>
+                <a:latin typeface="Inter"/>
+              </a:rPr>
+              <a:t>actualizar</a:t>
+            </a:r>
+            <a:r>
+              <a:rPr lang="en-US" sz="1200" b="0" i="0" dirty="0">
+                <a:solidFill>
+                  <a:srgbClr val="F0F8FF"/>
+                </a:solidFill>
+                <a:effectLst/>
+                <a:latin typeface="Inter"/>
+              </a:rPr>
+              <a:t> </a:t>
+            </a:r>
+            <a:r>
+              <a:rPr lang="en-US" sz="1200" b="0" i="0" dirty="0" err="1">
+                <a:solidFill>
+                  <a:srgbClr val="F0F8FF"/>
+                </a:solidFill>
+                <a:effectLst/>
+                <a:latin typeface="Inter"/>
+              </a:rPr>
+              <a:t>historial</a:t>
+            </a:r>
+            <a:endParaRPr lang="en-US" sz="1200" b="0" i="0" dirty="0">
+              <a:solidFill>
+                <a:srgbClr val="F0F8FF"/>
+              </a:solidFill>
+              <a:effectLst/>
+              <a:latin typeface="Inter"/>
+            </a:endParaRPr>
+          </a:p>
+          <a:p>
+            <a:pPr algn="l">
+              <a:spcBef>
+                <a:spcPts val="150"/>
+              </a:spcBef>
+              <a:buFont typeface="Arial" panose="020B0604020202020204" pitchFamily="34" charset="0"/>
+              <a:buChar char="•"/>
+            </a:pPr>
+            <a:r>
+              <a:rPr lang="en-US" sz="1200" b="0" i="0" dirty="0">
+                <a:solidFill>
+                  <a:srgbClr val="F0F8FF"/>
+                </a:solidFill>
+                <a:effectLst/>
+                <a:latin typeface="Inter"/>
+              </a:rPr>
+              <a:t> </a:t>
+            </a:r>
+            <a:r>
+              <a:rPr lang="en-US" sz="1200" b="0" i="0" dirty="0" err="1">
+                <a:solidFill>
+                  <a:srgbClr val="F0F8FF"/>
+                </a:solidFill>
+                <a:effectLst/>
+                <a:latin typeface="Inter"/>
+              </a:rPr>
+              <a:t>Consultar</a:t>
+            </a:r>
+            <a:r>
+              <a:rPr lang="en-US" sz="1200" b="0" i="0" dirty="0">
+                <a:solidFill>
+                  <a:srgbClr val="F0F8FF"/>
+                </a:solidFill>
+                <a:effectLst/>
+                <a:latin typeface="Inter"/>
+              </a:rPr>
+              <a:t> '</a:t>
+            </a:r>
+            <a:r>
+              <a:rPr lang="en-US" sz="1200" b="0" i="0" dirty="0" err="1">
+                <a:solidFill>
+                  <a:srgbClr val="F0F8FF"/>
+                </a:solidFill>
+                <a:effectLst/>
+                <a:latin typeface="Inter"/>
+              </a:rPr>
+              <a:t>Continuar</a:t>
+            </a:r>
+            <a:r>
+              <a:rPr lang="en-US" sz="1200" b="0" i="0" dirty="0">
+                <a:solidFill>
+                  <a:srgbClr val="F0F8FF"/>
+                </a:solidFill>
+                <a:effectLst/>
+                <a:latin typeface="Inter"/>
+              </a:rPr>
+              <a:t> </a:t>
+            </a:r>
+            <a:r>
+              <a:rPr lang="en-US" sz="1200" b="0" i="0" dirty="0" err="1">
+                <a:solidFill>
+                  <a:srgbClr val="F0F8FF"/>
+                </a:solidFill>
+                <a:effectLst/>
+                <a:latin typeface="Inter"/>
+              </a:rPr>
+              <a:t>viendo</a:t>
+            </a:r>
+            <a:r>
+              <a:rPr lang="en-US" sz="1200" b="0" i="0" dirty="0">
+                <a:solidFill>
+                  <a:srgbClr val="F0F8FF"/>
+                </a:solidFill>
+                <a:effectLst/>
+                <a:latin typeface="Inter"/>
+              </a:rPr>
+              <a:t>'</a:t>
+            </a:r>
+          </a:p>
+        </p:txBody>
+      </p:sp>
     </p:spTree>
   </p:cSld>
   <p:clrMapOvr>
@@ -5556,14 +6086,22 @@
             </a:pPr>
             <a:r>
               <a:rPr lang="en-US" sz="998" b="1" dirty="0">
-                <a:solidFill>
-                  <a:srgbClr val="68B8D9"/>
-                </a:solidFill>
                 <a:latin typeface="Segoe UI Semibold" pitchFamily="34" charset="0"/>
                 <a:ea typeface="Segoe UI Semibold" pitchFamily="34" charset="-122"/>
                 <a:cs typeface="Segoe UI Semibold" pitchFamily="34" charset="-120"/>
               </a:rPr>
-              <a:t>Arquitectura en capas con Go</a:t>
+              <a:t>Arquitectura en capas con </a:t>
+            </a:r>
+            <a:r>
+              <a:rPr lang="en-US" sz="998" b="1" dirty="0">
+                <a:solidFill>
+                  <a:srgbClr val="68B8D9"/>
+                </a:solidFill>
+                <a:latin typeface="Segoe UI Semibold" pitchFamily="34" charset="0"/>
+                <a:ea typeface="Segoe UI Semibold" pitchFamily="34" charset="-122"/>
+                <a:cs typeface="Segoe UI Semibold" pitchFamily="34" charset="-120"/>
+              </a:rPr>
+              <a:t>Go</a:t>
             </a:r>
             <a:endParaRPr lang="en-US" sz="998" dirty="0"/>
           </a:p>
@@ -5668,9 +6206,6 @@
             </a:pPr>
             <a:r>
               <a:rPr lang="en-US" sz="998" b="1" dirty="0">
-                <a:solidFill>
-                  <a:srgbClr val="68B8D9"/>
-                </a:solidFill>
                 <a:latin typeface="Segoe UI Semibold" pitchFamily="34" charset="0"/>
                 <a:ea typeface="Segoe UI Semibold" pitchFamily="34" charset="-122"/>
                 <a:cs typeface="Segoe UI Semibold" pitchFamily="34" charset="-120"/>
@@ -5780,9 +6315,6 @@
             </a:pPr>
             <a:r>
               <a:rPr lang="en-US" sz="998" b="1" dirty="0">
-                <a:solidFill>
-                  <a:srgbClr val="68B8D9"/>
-                </a:solidFill>
                 <a:latin typeface="Segoe UI Semibold" pitchFamily="34" charset="0"/>
                 <a:ea typeface="Segoe UI Semibold" pitchFamily="34" charset="-122"/>
                 <a:cs typeface="Segoe UI Semibold" pitchFamily="34" charset="-120"/>
@@ -5892,9 +6424,6 @@
             </a:pPr>
             <a:r>
               <a:rPr lang="en-US" sz="998" b="1" dirty="0">
-                <a:solidFill>
-                  <a:srgbClr val="68B8D9"/>
-                </a:solidFill>
                 <a:latin typeface="Segoe UI Semibold" pitchFamily="34" charset="0"/>
                 <a:ea typeface="Segoe UI Semibold" pitchFamily="34" charset="-122"/>
                 <a:cs typeface="Segoe UI Semibold" pitchFamily="34" charset="-120"/>
@@ -14632,7 +15161,7 @@
           <a:bodyPr/>
           <a:lstStyle/>
           <a:p>
-            <a:endParaRPr lang="en-US"/>
+            <a:endParaRPr lang="en-US" dirty="0"/>
           </a:p>
         </p:txBody>
       </p:sp>
@@ -15672,6 +16201,651 @@
               <a:t>SDGEStreaming - Sistema de Gestión de Contenido Audiovisual</a:t>
             </a:r>
             <a:endParaRPr lang="en-US" sz="798" dirty="0"/>
+          </a:p>
+        </p:txBody>
+      </p:sp>
+      <p:sp>
+        <p:nvSpPr>
+          <p:cNvPr id="41" name="TextBox 40">
+            <a:extLst>
+              <a:ext uri="{FF2B5EF4-FFF2-40B4-BE49-F238E27FC236}">
+                <a16:creationId xmlns:a16="http://schemas.microsoft.com/office/drawing/2014/main" id="{98BE0CB1-3C37-1DEB-9346-952581E82923}"/>
+              </a:ext>
+            </a:extLst>
+          </p:cNvPr>
+          <p:cNvSpPr txBox="1"/>
+          <p:nvPr/>
+        </p:nvSpPr>
+        <p:spPr>
+          <a:xfrm>
+            <a:off x="471641" y="1402133"/>
+            <a:ext cx="3661948" cy="738664"/>
+          </a:xfrm>
+          <a:prstGeom prst="rect">
+            <a:avLst/>
+          </a:prstGeom>
+          <a:noFill/>
+        </p:spPr>
+        <p:txBody>
+          <a:bodyPr wrap="square">
+            <a:spAutoFit/>
+          </a:bodyPr>
+          <a:lstStyle/>
+          <a:p>
+            <a:pPr algn="l"/>
+            <a:r>
+              <a:rPr lang="es-ES" sz="1400" b="0" i="0" dirty="0">
+                <a:solidFill>
+                  <a:srgbClr val="F0F8FF"/>
+                </a:solidFill>
+                <a:effectLst/>
+                <a:latin typeface="Segoe UI" panose="020B0502040204020203" pitchFamily="34" charset="0"/>
+              </a:rPr>
+              <a:t>• Registro y </a:t>
+            </a:r>
+            <a:r>
+              <a:rPr lang="es-ES" sz="1400" b="0" i="0" dirty="0" err="1">
+                <a:solidFill>
+                  <a:srgbClr val="F0F8FF"/>
+                </a:solidFill>
+                <a:effectLst/>
+                <a:latin typeface="Segoe UI" panose="020B0502040204020203" pitchFamily="34" charset="0"/>
+              </a:rPr>
+              <a:t>hashing</a:t>
+            </a:r>
+            <a:r>
+              <a:rPr lang="es-ES" sz="1400" b="0" i="0" dirty="0">
+                <a:solidFill>
+                  <a:srgbClr val="F0F8FF"/>
+                </a:solidFill>
+                <a:effectLst/>
+                <a:latin typeface="Segoe UI" panose="020B0502040204020203" pitchFamily="34" charset="0"/>
+              </a:rPr>
+              <a:t> </a:t>
+            </a:r>
+            <a:r>
+              <a:rPr lang="es-ES" sz="1400" b="0" i="0" dirty="0" err="1">
+                <a:solidFill>
+                  <a:srgbClr val="F0F8FF"/>
+                </a:solidFill>
+                <a:effectLst/>
+                <a:latin typeface="Segoe UI" panose="020B0502040204020203" pitchFamily="34" charset="0"/>
+              </a:rPr>
+              <a:t>bcrypt</a:t>
+            </a:r>
+            <a:r>
+              <a:rPr lang="es-ES" sz="1400" b="0" i="0" dirty="0">
+                <a:solidFill>
+                  <a:srgbClr val="F0F8FF"/>
+                </a:solidFill>
+                <a:effectLst/>
+                <a:latin typeface="Segoe UI" panose="020B0502040204020203" pitchFamily="34" charset="0"/>
+              </a:rPr>
+              <a:t>.</a:t>
+            </a:r>
+          </a:p>
+          <a:p>
+            <a:pPr algn="l"/>
+            <a:r>
+              <a:rPr lang="es-ES" sz="1400" b="0" i="0" dirty="0">
+                <a:solidFill>
+                  <a:srgbClr val="F0F8FF"/>
+                </a:solidFill>
+                <a:effectLst/>
+                <a:latin typeface="Segoe UI" panose="020B0502040204020203" pitchFamily="34" charset="0"/>
+              </a:rPr>
+              <a:t>• Validación de edad (+13).</a:t>
+            </a:r>
+          </a:p>
+          <a:p>
+            <a:pPr algn="l"/>
+            <a:r>
+              <a:rPr lang="es-ES" sz="1400" b="0" i="0" dirty="0">
+                <a:solidFill>
+                  <a:srgbClr val="F0F8FF"/>
+                </a:solidFill>
+                <a:effectLst/>
+                <a:latin typeface="Segoe UI" panose="020B0502040204020203" pitchFamily="34" charset="0"/>
+              </a:rPr>
+              <a:t>• Clasificación automática por edad.</a:t>
+            </a:r>
+          </a:p>
+        </p:txBody>
+      </p:sp>
+      <p:sp>
+        <p:nvSpPr>
+          <p:cNvPr id="43" name="TextBox 42">
+            <a:extLst>
+              <a:ext uri="{FF2B5EF4-FFF2-40B4-BE49-F238E27FC236}">
+                <a16:creationId xmlns:a16="http://schemas.microsoft.com/office/drawing/2014/main" id="{5A56ED73-6EDB-2E6E-BC51-4CCAF14EF1EF}"/>
+              </a:ext>
+            </a:extLst>
+          </p:cNvPr>
+          <p:cNvSpPr txBox="1"/>
+          <p:nvPr/>
+        </p:nvSpPr>
+        <p:spPr>
+          <a:xfrm>
+            <a:off x="6279946" y="1377950"/>
+            <a:ext cx="3984842" cy="738664"/>
+          </a:xfrm>
+          <a:prstGeom prst="rect">
+            <a:avLst/>
+          </a:prstGeom>
+          <a:noFill/>
+        </p:spPr>
+        <p:txBody>
+          <a:bodyPr wrap="square">
+            <a:spAutoFit/>
+          </a:bodyPr>
+          <a:lstStyle/>
+          <a:p>
+            <a:pPr algn="l"/>
+            <a:r>
+              <a:rPr lang="es-ES" sz="1400" b="0" i="0" dirty="0">
+                <a:solidFill>
+                  <a:srgbClr val="F0F8FF"/>
+                </a:solidFill>
+                <a:effectLst/>
+                <a:latin typeface="Segoe UI" panose="020B0502040204020203" pitchFamily="34" charset="0"/>
+              </a:rPr>
+              <a:t>• Hasta 4 perfiles por suscripción.</a:t>
+            </a:r>
+          </a:p>
+          <a:p>
+            <a:pPr algn="l"/>
+            <a:r>
+              <a:rPr lang="es-ES" sz="1400" b="0" i="0" dirty="0">
+                <a:solidFill>
+                  <a:srgbClr val="F0F8FF"/>
+                </a:solidFill>
+                <a:effectLst/>
+                <a:latin typeface="Segoe UI" panose="020B0502040204020203" pitchFamily="34" charset="0"/>
+              </a:rPr>
+              <a:t>• Perfil con edad y clasificación.</a:t>
+            </a:r>
+          </a:p>
+          <a:p>
+            <a:pPr algn="l"/>
+            <a:r>
+              <a:rPr lang="es-ES" sz="1400" b="0" i="0" dirty="0">
+                <a:solidFill>
+                  <a:srgbClr val="F0F8FF"/>
+                </a:solidFill>
+                <a:effectLst/>
+                <a:latin typeface="Segoe UI" panose="020B0502040204020203" pitchFamily="34" charset="0"/>
+              </a:rPr>
+              <a:t>• Historial y favoritos separados.</a:t>
+            </a:r>
+          </a:p>
+        </p:txBody>
+      </p:sp>
+      <p:sp>
+        <p:nvSpPr>
+          <p:cNvPr id="45" name="TextBox 44">
+            <a:extLst>
+              <a:ext uri="{FF2B5EF4-FFF2-40B4-BE49-F238E27FC236}">
+                <a16:creationId xmlns:a16="http://schemas.microsoft.com/office/drawing/2014/main" id="{B8AC8ECF-B0FC-3CA3-82E7-27C00F90D942}"/>
+              </a:ext>
+            </a:extLst>
+          </p:cNvPr>
+          <p:cNvSpPr txBox="1"/>
+          <p:nvPr/>
+        </p:nvSpPr>
+        <p:spPr>
+          <a:xfrm>
+            <a:off x="701627" y="4010672"/>
+            <a:ext cx="1960154" cy="1077218"/>
+          </a:xfrm>
+          <a:prstGeom prst="rect">
+            <a:avLst/>
+          </a:prstGeom>
+          <a:noFill/>
+        </p:spPr>
+        <p:txBody>
+          <a:bodyPr wrap="square">
+            <a:spAutoFit/>
+          </a:bodyPr>
+          <a:lstStyle/>
+          <a:p>
+            <a:pPr algn="l"/>
+            <a:r>
+              <a:rPr lang="en-US" sz="1600" b="0" i="0" dirty="0">
+                <a:solidFill>
+                  <a:srgbClr val="F0F8FF"/>
+                </a:solidFill>
+                <a:effectLst/>
+                <a:latin typeface="Segoe UI" panose="020B0502040204020203" pitchFamily="34" charset="0"/>
+              </a:rPr>
+              <a:t>Calidad SD</a:t>
+            </a:r>
+          </a:p>
+          <a:p>
+            <a:pPr algn="l"/>
+            <a:r>
+              <a:rPr lang="en-US" sz="1600" b="0" i="0" dirty="0">
+                <a:solidFill>
+                  <a:srgbClr val="F0F8FF"/>
+                </a:solidFill>
+                <a:effectLst/>
+                <a:latin typeface="Segoe UI" panose="020B0502040204020203" pitchFamily="34" charset="0"/>
+              </a:rPr>
+              <a:t>1 </a:t>
+            </a:r>
+            <a:r>
+              <a:rPr lang="en-US" sz="1600" b="0" i="0" dirty="0" err="1">
+                <a:solidFill>
+                  <a:srgbClr val="F0F8FF"/>
+                </a:solidFill>
+                <a:effectLst/>
+                <a:latin typeface="Segoe UI" panose="020B0502040204020203" pitchFamily="34" charset="0"/>
+              </a:rPr>
+              <a:t>dispositivo</a:t>
+            </a:r>
+            <a:endParaRPr lang="en-US" sz="1600" b="0" i="0" dirty="0">
+              <a:solidFill>
+                <a:srgbClr val="F0F8FF"/>
+              </a:solidFill>
+              <a:effectLst/>
+              <a:latin typeface="Segoe UI" panose="020B0502040204020203" pitchFamily="34" charset="0"/>
+            </a:endParaRPr>
+          </a:p>
+          <a:p>
+            <a:pPr algn="l"/>
+            <a:r>
+              <a:rPr lang="en-US" sz="1600" b="0" i="0" dirty="0">
+                <a:solidFill>
+                  <a:srgbClr val="F0F8FF"/>
+                </a:solidFill>
+                <a:effectLst/>
+                <a:latin typeface="Segoe UI" panose="020B0502040204020203" pitchFamily="34" charset="0"/>
+              </a:rPr>
+              <a:t>1 </a:t>
+            </a:r>
+            <a:r>
+              <a:rPr lang="en-US" sz="1600" b="0" i="0" dirty="0" err="1">
+                <a:solidFill>
+                  <a:srgbClr val="F0F8FF"/>
+                </a:solidFill>
+                <a:effectLst/>
+                <a:latin typeface="Segoe UI" panose="020B0502040204020203" pitchFamily="34" charset="0"/>
+              </a:rPr>
+              <a:t>perfil</a:t>
+            </a:r>
+            <a:endParaRPr lang="en-US" sz="1600" b="0" i="0" dirty="0">
+              <a:solidFill>
+                <a:srgbClr val="F0F8FF"/>
+              </a:solidFill>
+              <a:effectLst/>
+              <a:latin typeface="Segoe UI" panose="020B0502040204020203" pitchFamily="34" charset="0"/>
+            </a:endParaRPr>
+          </a:p>
+          <a:p>
+            <a:pPr algn="l"/>
+            <a:r>
+              <a:rPr lang="en-US" sz="1600" b="0" i="0" dirty="0" err="1">
+                <a:solidFill>
+                  <a:srgbClr val="F0F8FF"/>
+                </a:solidFill>
+                <a:effectLst/>
+                <a:latin typeface="Segoe UI" panose="020B0502040204020203" pitchFamily="34" charset="0"/>
+              </a:rPr>
+              <a:t>Catálogo</a:t>
+            </a:r>
+            <a:r>
+              <a:rPr lang="en-US" sz="1600" b="0" i="0" dirty="0">
+                <a:solidFill>
+                  <a:srgbClr val="F0F8FF"/>
+                </a:solidFill>
+                <a:effectLst/>
+                <a:latin typeface="Segoe UI" panose="020B0502040204020203" pitchFamily="34" charset="0"/>
+              </a:rPr>
+              <a:t> </a:t>
+            </a:r>
+            <a:r>
+              <a:rPr lang="en-US" sz="1600" b="0" i="0" dirty="0" err="1">
+                <a:solidFill>
+                  <a:srgbClr val="F0F8FF"/>
+                </a:solidFill>
+                <a:effectLst/>
+                <a:latin typeface="Segoe UI" panose="020B0502040204020203" pitchFamily="34" charset="0"/>
+              </a:rPr>
+              <a:t>básico</a:t>
+            </a:r>
+            <a:endParaRPr lang="en-US" sz="1600" b="0" i="0" dirty="0">
+              <a:solidFill>
+                <a:srgbClr val="F0F8FF"/>
+              </a:solidFill>
+              <a:effectLst/>
+              <a:latin typeface="Segoe UI" panose="020B0502040204020203" pitchFamily="34" charset="0"/>
+            </a:endParaRPr>
+          </a:p>
+        </p:txBody>
+      </p:sp>
+      <p:sp>
+        <p:nvSpPr>
+          <p:cNvPr id="47" name="TextBox 46">
+            <a:extLst>
+              <a:ext uri="{FF2B5EF4-FFF2-40B4-BE49-F238E27FC236}">
+                <a16:creationId xmlns:a16="http://schemas.microsoft.com/office/drawing/2014/main" id="{021780C4-DF10-1F48-CA2C-E6AE1BD9B134}"/>
+              </a:ext>
+            </a:extLst>
+          </p:cNvPr>
+          <p:cNvSpPr txBox="1"/>
+          <p:nvPr/>
+        </p:nvSpPr>
+        <p:spPr>
+          <a:xfrm>
+            <a:off x="4547365" y="4098091"/>
+            <a:ext cx="2864098" cy="1354217"/>
+          </a:xfrm>
+          <a:prstGeom prst="rect">
+            <a:avLst/>
+          </a:prstGeom>
+          <a:noFill/>
+        </p:spPr>
+        <p:txBody>
+          <a:bodyPr wrap="square">
+            <a:spAutoFit/>
+          </a:bodyPr>
+          <a:lstStyle/>
+          <a:p>
+            <a:pPr algn="l"/>
+            <a:r>
+              <a:rPr lang="en-US" sz="1600" b="0" i="0" dirty="0">
+                <a:solidFill>
+                  <a:srgbClr val="F0F8FF"/>
+                </a:solidFill>
+                <a:effectLst/>
+                <a:latin typeface="Segoe UI" panose="020B0502040204020203" pitchFamily="34" charset="0"/>
+              </a:rPr>
+              <a:t>Calidad HD</a:t>
+            </a:r>
+          </a:p>
+          <a:p>
+            <a:pPr algn="l"/>
+            <a:r>
+              <a:rPr lang="en-US" sz="1600" b="0" i="0" dirty="0">
+                <a:solidFill>
+                  <a:srgbClr val="F0F8FF"/>
+                </a:solidFill>
+                <a:effectLst/>
+                <a:latin typeface="Segoe UI" panose="020B0502040204020203" pitchFamily="34" charset="0"/>
+              </a:rPr>
+              <a:t>2 </a:t>
+            </a:r>
+            <a:r>
+              <a:rPr lang="en-US" sz="1600" b="0" i="0" dirty="0" err="1">
+                <a:solidFill>
+                  <a:srgbClr val="F0F8FF"/>
+                </a:solidFill>
+                <a:effectLst/>
+                <a:latin typeface="Segoe UI" panose="020B0502040204020203" pitchFamily="34" charset="0"/>
+              </a:rPr>
+              <a:t>dispositivos</a:t>
+            </a:r>
+            <a:endParaRPr lang="en-US" sz="1600" b="0" i="0" dirty="0">
+              <a:solidFill>
+                <a:srgbClr val="F0F8FF"/>
+              </a:solidFill>
+              <a:effectLst/>
+              <a:latin typeface="Segoe UI" panose="020B0502040204020203" pitchFamily="34" charset="0"/>
+            </a:endParaRPr>
+          </a:p>
+          <a:p>
+            <a:pPr algn="l"/>
+            <a:r>
+              <a:rPr lang="en-US" sz="1600" b="0" i="0" dirty="0">
+                <a:solidFill>
+                  <a:srgbClr val="F0F8FF"/>
+                </a:solidFill>
+                <a:effectLst/>
+                <a:latin typeface="Segoe UI" panose="020B0502040204020203" pitchFamily="34" charset="0"/>
+              </a:rPr>
+              <a:t>2 </a:t>
+            </a:r>
+            <a:r>
+              <a:rPr lang="en-US" sz="1600" b="0" i="0" dirty="0" err="1">
+                <a:solidFill>
+                  <a:srgbClr val="F0F8FF"/>
+                </a:solidFill>
+                <a:effectLst/>
+                <a:latin typeface="Segoe UI" panose="020B0502040204020203" pitchFamily="34" charset="0"/>
+              </a:rPr>
+              <a:t>perfiles</a:t>
+            </a:r>
+            <a:endParaRPr lang="en-US" sz="1600" b="0" i="0" dirty="0">
+              <a:solidFill>
+                <a:srgbClr val="F0F8FF"/>
+              </a:solidFill>
+              <a:effectLst/>
+              <a:latin typeface="Segoe UI" panose="020B0502040204020203" pitchFamily="34" charset="0"/>
+            </a:endParaRPr>
+          </a:p>
+          <a:p>
+            <a:pPr algn="l"/>
+            <a:r>
+              <a:rPr lang="en-US" sz="1600" b="0" i="0" dirty="0" err="1">
+                <a:solidFill>
+                  <a:srgbClr val="F0F8FF"/>
+                </a:solidFill>
+                <a:effectLst/>
+                <a:latin typeface="Segoe UI" panose="020B0502040204020203" pitchFamily="34" charset="0"/>
+              </a:rPr>
+              <a:t>Catálogo</a:t>
+            </a:r>
+            <a:r>
+              <a:rPr lang="en-US" sz="1600" b="0" i="0" dirty="0">
+                <a:solidFill>
+                  <a:srgbClr val="F0F8FF"/>
+                </a:solidFill>
+                <a:effectLst/>
+                <a:latin typeface="Segoe UI" panose="020B0502040204020203" pitchFamily="34" charset="0"/>
+              </a:rPr>
+              <a:t> </a:t>
+            </a:r>
+            <a:r>
+              <a:rPr lang="en-US" sz="1600" b="0" i="0" dirty="0" err="1">
+                <a:solidFill>
+                  <a:srgbClr val="F0F8FF"/>
+                </a:solidFill>
+                <a:effectLst/>
+                <a:latin typeface="Segoe UI" panose="020B0502040204020203" pitchFamily="34" charset="0"/>
+              </a:rPr>
+              <a:t>completo</a:t>
+            </a:r>
+            <a:endParaRPr lang="en-US" sz="1600" b="0" i="0" dirty="0">
+              <a:solidFill>
+                <a:srgbClr val="F0F8FF"/>
+              </a:solidFill>
+              <a:effectLst/>
+              <a:latin typeface="Segoe UI" panose="020B0502040204020203" pitchFamily="34" charset="0"/>
+            </a:endParaRPr>
+          </a:p>
+          <a:p>
+            <a:pPr algn="l"/>
+            <a:r>
+              <a:rPr lang="en-US" sz="1600" b="0" i="0" dirty="0">
+                <a:solidFill>
+                  <a:srgbClr val="F0F8FF"/>
+                </a:solidFill>
+                <a:effectLst/>
+                <a:latin typeface="Segoe UI" panose="020B0502040204020203" pitchFamily="34" charset="0"/>
+              </a:rPr>
+              <a:t>Sin </a:t>
+            </a:r>
+            <a:r>
+              <a:rPr lang="en-US" sz="1600" b="0" i="0" dirty="0" err="1">
+                <a:solidFill>
+                  <a:srgbClr val="F0F8FF"/>
+                </a:solidFill>
+                <a:effectLst/>
+                <a:latin typeface="Segoe UI" panose="020B0502040204020203" pitchFamily="34" charset="0"/>
+              </a:rPr>
+              <a:t>anuncios</a:t>
+            </a:r>
+            <a:endParaRPr lang="en-US" sz="1600" b="0" i="0" dirty="0">
+              <a:solidFill>
+                <a:srgbClr val="F0F8FF"/>
+              </a:solidFill>
+              <a:effectLst/>
+              <a:latin typeface="Segoe UI" panose="020B0502040204020203" pitchFamily="34" charset="0"/>
+            </a:endParaRPr>
+          </a:p>
+        </p:txBody>
+      </p:sp>
+      <p:sp>
+        <p:nvSpPr>
+          <p:cNvPr id="49" name="TextBox 48">
+            <a:extLst>
+              <a:ext uri="{FF2B5EF4-FFF2-40B4-BE49-F238E27FC236}">
+                <a16:creationId xmlns:a16="http://schemas.microsoft.com/office/drawing/2014/main" id="{C02F8B68-0CB5-9A17-25AD-31ABA2C6B0FB}"/>
+              </a:ext>
+            </a:extLst>
+          </p:cNvPr>
+          <p:cNvSpPr txBox="1"/>
+          <p:nvPr/>
+        </p:nvSpPr>
+        <p:spPr>
+          <a:xfrm>
+            <a:off x="8424386" y="4048032"/>
+            <a:ext cx="2640908" cy="1354217"/>
+          </a:xfrm>
+          <a:prstGeom prst="rect">
+            <a:avLst/>
+          </a:prstGeom>
+          <a:noFill/>
+        </p:spPr>
+        <p:txBody>
+          <a:bodyPr wrap="square">
+            <a:spAutoFit/>
+          </a:bodyPr>
+          <a:lstStyle/>
+          <a:p>
+            <a:pPr algn="l"/>
+            <a:r>
+              <a:rPr lang="en-US" sz="1600" b="0" i="0" dirty="0">
+                <a:solidFill>
+                  <a:srgbClr val="F0F8FF"/>
+                </a:solidFill>
+                <a:effectLst/>
+                <a:latin typeface="Segoe UI" panose="020B0502040204020203" pitchFamily="34" charset="0"/>
+              </a:rPr>
+              <a:t>Calidad 4K UHD</a:t>
+            </a:r>
+          </a:p>
+          <a:p>
+            <a:pPr algn="l"/>
+            <a:r>
+              <a:rPr lang="en-US" sz="1600" b="0" i="0" dirty="0">
+                <a:solidFill>
+                  <a:srgbClr val="F0F8FF"/>
+                </a:solidFill>
+                <a:effectLst/>
+                <a:latin typeface="Segoe UI" panose="020B0502040204020203" pitchFamily="34" charset="0"/>
+              </a:rPr>
+              <a:t>4 </a:t>
+            </a:r>
+            <a:r>
+              <a:rPr lang="en-US" sz="1600" b="0" i="0" dirty="0" err="1">
+                <a:solidFill>
+                  <a:srgbClr val="F0F8FF"/>
+                </a:solidFill>
+                <a:effectLst/>
+                <a:latin typeface="Segoe UI" panose="020B0502040204020203" pitchFamily="34" charset="0"/>
+              </a:rPr>
+              <a:t>dispositivos</a:t>
+            </a:r>
+            <a:endParaRPr lang="en-US" sz="1600" b="0" i="0" dirty="0">
+              <a:solidFill>
+                <a:srgbClr val="F0F8FF"/>
+              </a:solidFill>
+              <a:effectLst/>
+              <a:latin typeface="Segoe UI" panose="020B0502040204020203" pitchFamily="34" charset="0"/>
+            </a:endParaRPr>
+          </a:p>
+          <a:p>
+            <a:pPr algn="l"/>
+            <a:r>
+              <a:rPr lang="en-US" sz="1600" b="0" i="0" dirty="0">
+                <a:solidFill>
+                  <a:srgbClr val="F0F8FF"/>
+                </a:solidFill>
+                <a:effectLst/>
+                <a:latin typeface="Segoe UI" panose="020B0502040204020203" pitchFamily="34" charset="0"/>
+              </a:rPr>
+              <a:t>4 </a:t>
+            </a:r>
+            <a:r>
+              <a:rPr lang="en-US" sz="1600" b="0" i="0" dirty="0" err="1">
+                <a:solidFill>
+                  <a:srgbClr val="F0F8FF"/>
+                </a:solidFill>
+                <a:effectLst/>
+                <a:latin typeface="Segoe UI" panose="020B0502040204020203" pitchFamily="34" charset="0"/>
+              </a:rPr>
+              <a:t>perfiles</a:t>
+            </a:r>
+            <a:endParaRPr lang="en-US" sz="1600" b="0" i="0" dirty="0">
+              <a:solidFill>
+                <a:srgbClr val="F0F8FF"/>
+              </a:solidFill>
+              <a:effectLst/>
+              <a:latin typeface="Segoe UI" panose="020B0502040204020203" pitchFamily="34" charset="0"/>
+            </a:endParaRPr>
+          </a:p>
+          <a:p>
+            <a:pPr algn="l"/>
+            <a:r>
+              <a:rPr lang="en-US" sz="1600" b="0" i="0" dirty="0">
+                <a:solidFill>
+                  <a:srgbClr val="F0F8FF"/>
+                </a:solidFill>
+                <a:effectLst/>
+                <a:latin typeface="Segoe UI" panose="020B0502040204020203" pitchFamily="34" charset="0"/>
+              </a:rPr>
+              <a:t>Audio premium</a:t>
+            </a:r>
+          </a:p>
+          <a:p>
+            <a:pPr algn="l"/>
+            <a:r>
+              <a:rPr lang="en-US" sz="1600" b="0" i="0" dirty="0" err="1">
+                <a:solidFill>
+                  <a:srgbClr val="F0F8FF"/>
+                </a:solidFill>
+                <a:effectLst/>
+                <a:latin typeface="Segoe UI" panose="020B0502040204020203" pitchFamily="34" charset="0"/>
+              </a:rPr>
+              <a:t>Acceso</a:t>
+            </a:r>
+            <a:r>
+              <a:rPr lang="en-US" sz="1600" b="0" i="0" dirty="0">
+                <a:solidFill>
+                  <a:srgbClr val="F0F8FF"/>
+                </a:solidFill>
+                <a:effectLst/>
+                <a:latin typeface="Segoe UI" panose="020B0502040204020203" pitchFamily="34" charset="0"/>
+              </a:rPr>
+              <a:t> </a:t>
+            </a:r>
+            <a:r>
+              <a:rPr lang="en-US" sz="1600" b="0" i="0" dirty="0" err="1">
+                <a:solidFill>
+                  <a:srgbClr val="F0F8FF"/>
+                </a:solidFill>
+                <a:effectLst/>
+                <a:latin typeface="Segoe UI" panose="020B0502040204020203" pitchFamily="34" charset="0"/>
+              </a:rPr>
+              <a:t>prioritario</a:t>
+            </a:r>
+            <a:endParaRPr lang="en-US" sz="1600" b="0" i="0" dirty="0">
+              <a:solidFill>
+                <a:srgbClr val="F0F8FF"/>
+              </a:solidFill>
+              <a:effectLst/>
+              <a:latin typeface="Segoe UI" panose="020B0502040204020203" pitchFamily="34" charset="0"/>
+            </a:endParaRPr>
           </a:p>
         </p:txBody>
       </p:sp>
@@ -18453,7 +19627,7 @@
         </p:nvSpPr>
         <p:spPr>
           <a:xfrm>
-            <a:off x="6460808" y="3530600"/>
+            <a:off x="6460807" y="3479800"/>
             <a:ext cx="5067300" cy="203200"/>
           </a:xfrm>
           <a:prstGeom prst="rect">
@@ -18590,6 +19764,487 @@
               <a:t>SDGEStreaming - Sistema de Gestión de Contenido Audiovisual</a:t>
             </a:r>
             <a:endParaRPr lang="en-US" sz="998" dirty="0"/>
+          </a:p>
+        </p:txBody>
+      </p:sp>
+      <p:sp>
+        <p:nvSpPr>
+          <p:cNvPr id="28" name="TextBox 27">
+            <a:extLst>
+              <a:ext uri="{FF2B5EF4-FFF2-40B4-BE49-F238E27FC236}">
+                <a16:creationId xmlns:a16="http://schemas.microsoft.com/office/drawing/2014/main" id="{A5397793-9E1F-1C16-38CD-A8254BCB155B}"/>
+              </a:ext>
+            </a:extLst>
+          </p:cNvPr>
+          <p:cNvSpPr txBox="1"/>
+          <p:nvPr/>
+        </p:nvSpPr>
+        <p:spPr>
+          <a:xfrm>
+            <a:off x="541119" y="2616537"/>
+            <a:ext cx="4112300" cy="1015663"/>
+          </a:xfrm>
+          <a:prstGeom prst="rect">
+            <a:avLst/>
+          </a:prstGeom>
+          <a:noFill/>
+        </p:spPr>
+        <p:txBody>
+          <a:bodyPr wrap="square">
+            <a:spAutoFit/>
+          </a:bodyPr>
+          <a:lstStyle/>
+          <a:p>
+            <a:pPr algn="l"/>
+            <a:r>
+              <a:rPr lang="es-ES" sz="1200" b="0" i="0" dirty="0">
+                <a:solidFill>
+                  <a:srgbClr val="F0F8FF"/>
+                </a:solidFill>
+                <a:effectLst/>
+                <a:latin typeface="Segoe UI" panose="020B0502040204020203" pitchFamily="34" charset="0"/>
+              </a:rPr>
+              <a:t>• Tabla `favorites` con </a:t>
+            </a:r>
+            <a:r>
+              <a:rPr lang="es-ES" sz="1200" b="0" i="0" dirty="0" err="1">
+                <a:solidFill>
+                  <a:srgbClr val="F0F8FF"/>
+                </a:solidFill>
+                <a:effectLst/>
+                <a:latin typeface="Segoe UI" panose="020B0502040204020203" pitchFamily="34" charset="0"/>
+              </a:rPr>
+              <a:t>user_id</a:t>
+            </a:r>
+            <a:r>
+              <a:rPr lang="es-ES" sz="1200" b="0" i="0" dirty="0">
+                <a:solidFill>
+                  <a:srgbClr val="F0F8FF"/>
+                </a:solidFill>
+                <a:effectLst/>
+                <a:latin typeface="Segoe UI" panose="020B0502040204020203" pitchFamily="34" charset="0"/>
+              </a:rPr>
+              <a:t>, </a:t>
+            </a:r>
+            <a:r>
+              <a:rPr lang="es-ES" sz="1200" b="0" i="0" dirty="0" err="1">
+                <a:solidFill>
+                  <a:srgbClr val="F0F8FF"/>
+                </a:solidFill>
+                <a:effectLst/>
+                <a:latin typeface="Segoe UI" panose="020B0502040204020203" pitchFamily="34" charset="0"/>
+              </a:rPr>
+              <a:t>content_id</a:t>
+            </a:r>
+            <a:r>
+              <a:rPr lang="es-ES" sz="1200" b="0" i="0" dirty="0">
+                <a:solidFill>
+                  <a:srgbClr val="F0F8FF"/>
+                </a:solidFill>
+                <a:effectLst/>
+                <a:latin typeface="Segoe UI" panose="020B0502040204020203" pitchFamily="34" charset="0"/>
+              </a:rPr>
+              <a:t>, </a:t>
+            </a:r>
+            <a:r>
+              <a:rPr lang="es-ES" sz="1200" b="0" i="0" dirty="0" err="1">
+                <a:solidFill>
+                  <a:srgbClr val="F0F8FF"/>
+                </a:solidFill>
+                <a:effectLst/>
+                <a:latin typeface="Segoe UI" panose="020B0502040204020203" pitchFamily="34" charset="0"/>
+              </a:rPr>
+              <a:t>type</a:t>
+            </a:r>
+            <a:endParaRPr lang="es-ES" sz="1200" b="0" i="0" dirty="0">
+              <a:solidFill>
+                <a:srgbClr val="F0F8FF"/>
+              </a:solidFill>
+              <a:effectLst/>
+              <a:latin typeface="Segoe UI" panose="020B0502040204020203" pitchFamily="34" charset="0"/>
+            </a:endParaRPr>
+          </a:p>
+          <a:p>
+            <a:pPr algn="l"/>
+            <a:r>
+              <a:rPr lang="es-ES" sz="1200" b="0" i="0" dirty="0">
+                <a:solidFill>
+                  <a:srgbClr val="F0F8FF"/>
+                </a:solidFill>
+                <a:effectLst/>
+                <a:latin typeface="Segoe UI" panose="020B0502040204020203" pitchFamily="34" charset="0"/>
+              </a:rPr>
+              <a:t>• </a:t>
+            </a:r>
+            <a:r>
+              <a:rPr lang="es-ES" sz="1200" b="0" i="0" dirty="0" err="1">
+                <a:solidFill>
+                  <a:srgbClr val="F0F8FF"/>
+                </a:solidFill>
+                <a:effectLst/>
+                <a:latin typeface="Segoe UI" panose="020B0502040204020203" pitchFamily="34" charset="0"/>
+              </a:rPr>
+              <a:t>Constraint</a:t>
+            </a:r>
+            <a:r>
+              <a:rPr lang="es-ES" sz="1200" b="0" i="0" dirty="0">
+                <a:solidFill>
+                  <a:srgbClr val="F0F8FF"/>
+                </a:solidFill>
+                <a:effectLst/>
+                <a:latin typeface="Segoe UI" panose="020B0502040204020203" pitchFamily="34" charset="0"/>
+              </a:rPr>
+              <a:t> UNIQUE para evitar duplicados</a:t>
+            </a:r>
+          </a:p>
+          <a:p>
+            <a:pPr algn="l"/>
+            <a:r>
+              <a:rPr lang="es-ES" sz="1200" b="0" i="0" dirty="0">
+                <a:solidFill>
+                  <a:srgbClr val="F0F8FF"/>
+                </a:solidFill>
+                <a:effectLst/>
+                <a:latin typeface="Segoe UI" panose="020B0502040204020203" pitchFamily="34" charset="0"/>
+              </a:rPr>
+              <a:t>• Método `</a:t>
+            </a:r>
+            <a:r>
+              <a:rPr lang="es-ES" sz="1200" b="0" i="0" dirty="0" err="1">
+                <a:solidFill>
+                  <a:srgbClr val="F0F8FF"/>
+                </a:solidFill>
+                <a:effectLst/>
+                <a:latin typeface="Segoe UI" panose="020B0502040204020203" pitchFamily="34" charset="0"/>
+              </a:rPr>
+              <a:t>AddFavorite</a:t>
+            </a:r>
+            <a:r>
+              <a:rPr lang="es-ES" sz="1200" b="0" i="0" dirty="0">
+                <a:solidFill>
+                  <a:srgbClr val="F0F8FF"/>
+                </a:solidFill>
+                <a:effectLst/>
+                <a:latin typeface="Segoe UI" panose="020B0502040204020203" pitchFamily="34" charset="0"/>
+              </a:rPr>
+              <a:t>()` con validaciones</a:t>
+            </a:r>
+          </a:p>
+          <a:p>
+            <a:pPr algn="l"/>
+            <a:r>
+              <a:rPr lang="es-ES" sz="1200" b="0" i="0" dirty="0">
+                <a:solidFill>
+                  <a:srgbClr val="F0F8FF"/>
+                </a:solidFill>
+                <a:effectLst/>
+                <a:latin typeface="Segoe UI" panose="020B0502040204020203" pitchFamily="34" charset="0"/>
+              </a:rPr>
+              <a:t>• Método `</a:t>
+            </a:r>
+            <a:r>
+              <a:rPr lang="es-ES" sz="1200" b="0" i="0" dirty="0" err="1">
+                <a:solidFill>
+                  <a:srgbClr val="F0F8FF"/>
+                </a:solidFill>
+                <a:effectLst/>
+                <a:latin typeface="Segoe UI" panose="020B0502040204020203" pitchFamily="34" charset="0"/>
+              </a:rPr>
+              <a:t>GetFavorites</a:t>
+            </a:r>
+            <a:r>
+              <a:rPr lang="es-ES" sz="1200" b="0" i="0" dirty="0">
+                <a:solidFill>
+                  <a:srgbClr val="F0F8FF"/>
+                </a:solidFill>
+                <a:effectLst/>
+                <a:latin typeface="Segoe UI" panose="020B0502040204020203" pitchFamily="34" charset="0"/>
+              </a:rPr>
+              <a:t>()` con </a:t>
+            </a:r>
+            <a:r>
+              <a:rPr lang="es-ES" sz="1200" b="0" i="0" dirty="0" err="1">
+                <a:solidFill>
+                  <a:srgbClr val="F0F8FF"/>
+                </a:solidFill>
+                <a:effectLst/>
+                <a:latin typeface="Segoe UI" panose="020B0502040204020203" pitchFamily="34" charset="0"/>
+              </a:rPr>
+              <a:t>join</a:t>
+            </a:r>
+            <a:r>
+              <a:rPr lang="es-ES" sz="1200" b="0" i="0" dirty="0">
+                <a:solidFill>
+                  <a:srgbClr val="F0F8FF"/>
+                </a:solidFill>
+                <a:effectLst/>
+                <a:latin typeface="Segoe UI" panose="020B0502040204020203" pitchFamily="34" charset="0"/>
+              </a:rPr>
+              <a:t> de tablas</a:t>
+            </a:r>
+          </a:p>
+          <a:p>
+            <a:pPr algn="l"/>
+            <a:r>
+              <a:rPr lang="es-ES" sz="1200" b="0" i="0" dirty="0">
+                <a:solidFill>
+                  <a:srgbClr val="F0F8FF"/>
+                </a:solidFill>
+                <a:effectLst/>
+                <a:latin typeface="Segoe UI" panose="020B0502040204020203" pitchFamily="34" charset="0"/>
+              </a:rPr>
+              <a:t>• Diferenciación entre audio y video</a:t>
+            </a:r>
+          </a:p>
+        </p:txBody>
+      </p:sp>
+      <p:sp>
+        <p:nvSpPr>
+          <p:cNvPr id="30" name="TextBox 29">
+            <a:extLst>
+              <a:ext uri="{FF2B5EF4-FFF2-40B4-BE49-F238E27FC236}">
+                <a16:creationId xmlns:a16="http://schemas.microsoft.com/office/drawing/2014/main" id="{75C157E3-0401-A9F7-6B0C-4941903B182B}"/>
+              </a:ext>
+            </a:extLst>
+          </p:cNvPr>
+          <p:cNvSpPr txBox="1"/>
+          <p:nvPr/>
+        </p:nvSpPr>
+        <p:spPr>
+          <a:xfrm>
+            <a:off x="465110" y="3987800"/>
+            <a:ext cx="4393956" cy="830997"/>
+          </a:xfrm>
+          <a:prstGeom prst="rect">
+            <a:avLst/>
+          </a:prstGeom>
+          <a:noFill/>
+        </p:spPr>
+        <p:txBody>
+          <a:bodyPr wrap="square">
+            <a:spAutoFit/>
+          </a:bodyPr>
+          <a:lstStyle/>
+          <a:p>
+            <a:pPr algn="l"/>
+            <a:r>
+              <a:rPr lang="es-ES" sz="1200" b="0" i="0" dirty="0">
+                <a:solidFill>
+                  <a:srgbClr val="F0F8FF"/>
+                </a:solidFill>
+                <a:effectLst/>
+                <a:latin typeface="Segoe UI" panose="020B0502040204020203" pitchFamily="34" charset="0"/>
+              </a:rPr>
+              <a:t>1. Usuario explora y selecciona 'Marcar como favorito'</a:t>
+            </a:r>
+          </a:p>
+          <a:p>
+            <a:pPr algn="l"/>
+            <a:r>
+              <a:rPr lang="es-ES" sz="1200" b="0" i="0" dirty="0">
+                <a:solidFill>
+                  <a:srgbClr val="F0F8FF"/>
+                </a:solidFill>
+                <a:effectLst/>
+                <a:latin typeface="Segoe UI" panose="020B0502040204020203" pitchFamily="34" charset="0"/>
+              </a:rPr>
+              <a:t>2. Sistema valida y guarda en la tabla `favorites`</a:t>
+            </a:r>
+          </a:p>
+          <a:p>
+            <a:pPr algn="l"/>
+            <a:r>
+              <a:rPr lang="es-ES" sz="1200" b="0" i="0" dirty="0">
+                <a:solidFill>
+                  <a:srgbClr val="F0F8FF"/>
+                </a:solidFill>
+                <a:effectLst/>
+                <a:latin typeface="Segoe UI" panose="020B0502040204020203" pitchFamily="34" charset="0"/>
+              </a:rPr>
+              <a:t>3. Contenido aparece en la sección 'Mi Lista'</a:t>
+            </a:r>
+          </a:p>
+          <a:p>
+            <a:pPr algn="l"/>
+            <a:r>
+              <a:rPr lang="es-ES" sz="1200" b="0" i="0" dirty="0">
+                <a:solidFill>
+                  <a:srgbClr val="F0F8FF"/>
+                </a:solidFill>
+                <a:effectLst/>
+                <a:latin typeface="Segoe UI" panose="020B0502040204020203" pitchFamily="34" charset="0"/>
+              </a:rPr>
+              <a:t>4. Usuario puede acceder rápidamente al contenido</a:t>
+            </a:r>
+          </a:p>
+        </p:txBody>
+      </p:sp>
+      <p:sp>
+        <p:nvSpPr>
+          <p:cNvPr id="32" name="TextBox 31">
+            <a:extLst>
+              <a:ext uri="{FF2B5EF4-FFF2-40B4-BE49-F238E27FC236}">
+                <a16:creationId xmlns:a16="http://schemas.microsoft.com/office/drawing/2014/main" id="{8D75A1D4-3E8F-DCA7-3D9B-725AB9ECB7FB}"/>
+              </a:ext>
+            </a:extLst>
+          </p:cNvPr>
+          <p:cNvSpPr txBox="1"/>
+          <p:nvPr/>
+        </p:nvSpPr>
+        <p:spPr>
+          <a:xfrm>
+            <a:off x="6311552" y="2639705"/>
+            <a:ext cx="4748930" cy="830997"/>
+          </a:xfrm>
+          <a:prstGeom prst="rect">
+            <a:avLst/>
+          </a:prstGeom>
+          <a:noFill/>
+        </p:spPr>
+        <p:txBody>
+          <a:bodyPr wrap="square">
+            <a:spAutoFit/>
+          </a:bodyPr>
+          <a:lstStyle/>
+          <a:p>
+            <a:pPr algn="l"/>
+            <a:r>
+              <a:rPr lang="en-US" sz="1200" b="0" i="0">
+                <a:solidFill>
+                  <a:srgbClr val="F0F8FF"/>
+                </a:solidFill>
+                <a:effectLst/>
+                <a:latin typeface="Segoe UI" panose="020B0502040204020203" pitchFamily="34" charset="0"/>
+              </a:rPr>
+              <a:t>• Tabla `playback_history` con `progress_seconds`</a:t>
+            </a:r>
+          </a:p>
+          <a:p>
+            <a:pPr algn="l"/>
+            <a:r>
+              <a:rPr lang="en-US" sz="1200" b="0" i="0">
+                <a:solidFill>
+                  <a:srgbClr val="F0F8FF"/>
+                </a:solidFill>
+                <a:effectLst/>
+                <a:latin typeface="Segoe UI" panose="020B0502040204020203" pitchFamily="34" charset="0"/>
+              </a:rPr>
+              <a:t>• Métodos `AddToHistory()` y `UpdateProgress()`</a:t>
+            </a:r>
+          </a:p>
+          <a:p>
+            <a:pPr algn="l"/>
+            <a:r>
+              <a:rPr lang="en-US" sz="1200" b="0" i="0">
+                <a:solidFill>
+                  <a:srgbClr val="F0F8FF"/>
+                </a:solidFill>
+                <a:effectLst/>
+                <a:latin typeface="Segoe UI" panose="020B0502040204020203" pitchFamily="34" charset="0"/>
+              </a:rPr>
+              <a:t>• Método `GetContinueWatching()` para contenido en progreso</a:t>
+            </a:r>
+          </a:p>
+          <a:p>
+            <a:pPr algn="l"/>
+            <a:r>
+              <a:rPr lang="en-US" sz="1200" b="0" i="0">
+                <a:solidFill>
+                  <a:srgbClr val="F0F8FF"/>
+                </a:solidFill>
+                <a:effectLst/>
+                <a:latin typeface="Segoe UI" panose="020B0502040204020203" pitchFamily="34" charset="0"/>
+              </a:rPr>
+              <a:t>• Timestamp automático (`watched_at`)</a:t>
+            </a:r>
+            <a:endParaRPr lang="en-US" sz="1200" b="0" i="0" dirty="0">
+              <a:solidFill>
+                <a:srgbClr val="F0F8FF"/>
+              </a:solidFill>
+              <a:effectLst/>
+              <a:latin typeface="Segoe UI" panose="020B0502040204020203" pitchFamily="34" charset="0"/>
+            </a:endParaRPr>
+          </a:p>
+        </p:txBody>
+      </p:sp>
+      <p:sp>
+        <p:nvSpPr>
+          <p:cNvPr id="34" name="TextBox 33">
+            <a:extLst>
+              <a:ext uri="{FF2B5EF4-FFF2-40B4-BE49-F238E27FC236}">
+                <a16:creationId xmlns:a16="http://schemas.microsoft.com/office/drawing/2014/main" id="{7273F697-64D1-4912-47C7-45DF3DED9C45}"/>
+              </a:ext>
+            </a:extLst>
+          </p:cNvPr>
+          <p:cNvSpPr txBox="1"/>
+          <p:nvPr/>
+        </p:nvSpPr>
+        <p:spPr>
+          <a:xfrm>
+            <a:off x="6311552" y="3724701"/>
+            <a:ext cx="4699609" cy="830997"/>
+          </a:xfrm>
+          <a:prstGeom prst="rect">
+            <a:avLst/>
+          </a:prstGeom>
+          <a:noFill/>
+        </p:spPr>
+        <p:txBody>
+          <a:bodyPr wrap="square">
+            <a:spAutoFit/>
+          </a:bodyPr>
+          <a:lstStyle/>
+          <a:p>
+            <a:pPr algn="l"/>
+            <a:r>
+              <a:rPr lang="es-ES" sz="1200" b="0" i="0" dirty="0">
+                <a:solidFill>
+                  <a:srgbClr val="F0F8FF"/>
+                </a:solidFill>
+                <a:effectLst/>
+                <a:latin typeface="Segoe UI" panose="020B0502040204020203" pitchFamily="34" charset="0"/>
+              </a:rPr>
+              <a:t>1. Usuario reproduce contenido, sistema registra en historial</a:t>
+            </a:r>
+          </a:p>
+          <a:p>
+            <a:pPr algn="l"/>
+            <a:r>
+              <a:rPr lang="es-ES" sz="1200" b="0" i="0" dirty="0">
+                <a:solidFill>
+                  <a:srgbClr val="F0F8FF"/>
+                </a:solidFill>
+                <a:effectLst/>
+                <a:latin typeface="Segoe UI" panose="020B0502040204020203" pitchFamily="34" charset="0"/>
+              </a:rPr>
+              <a:t>2. Progreso se actualiza durante la reproducción</a:t>
+            </a:r>
+          </a:p>
+          <a:p>
+            <a:pPr algn="l"/>
+            <a:r>
+              <a:rPr lang="es-ES" sz="1200" b="0" i="0" dirty="0">
+                <a:solidFill>
+                  <a:srgbClr val="F0F8FF"/>
+                </a:solidFill>
+                <a:effectLst/>
+                <a:latin typeface="Segoe UI" panose="020B0502040204020203" pitchFamily="34" charset="0"/>
+              </a:rPr>
+              <a:t>3. Contenido aparece en 'Continuar viendo'</a:t>
+            </a:r>
+          </a:p>
+          <a:p>
+            <a:pPr algn="l"/>
+            <a:r>
+              <a:rPr lang="es-ES" sz="1200" b="0" i="0" dirty="0">
+                <a:solidFill>
+                  <a:srgbClr val="F0F8FF"/>
+                </a:solidFill>
+                <a:effectLst/>
+                <a:latin typeface="Segoe UI" panose="020B0502040204020203" pitchFamily="34" charset="0"/>
+              </a:rPr>
+              <a:t>4. Usuario puede retomar la reproducción desde el último punto</a:t>
+            </a:r>
           </a:p>
         </p:txBody>
       </p:sp>
